--- a/PPT_Prepresentation/学生成绩管理系统_开题答辩.pptx
+++ b/PPT_Prepresentation/学生成绩管理系统_开题答辩.pptx
@@ -7220,9 +7220,9 @@
         <p:grpSpPr>
           <a:xfrm>
             <a:off x="259101" y="339724"/>
-            <a:ext cx="4358005" cy="995045"/>
+            <a:ext cx="5379699" cy="996017"/>
             <a:chOff x="259101" y="339724"/>
-            <a:chExt cx="4358005" cy="995045"/>
+            <a:chExt cx="5379699" cy="996017"/>
           </a:xfrm>
         </p:grpSpPr>
         <p:grpSp>
@@ -7811,7 +7811,7 @@
           <p:spPr>
             <a:xfrm>
               <a:off x="962681" y="381634"/>
-              <a:ext cx="3654425" cy="953135"/>
+              <a:ext cx="4676119" cy="954107"/>
             </a:xfrm>
             <a:prstGeom prst="rect">
               <a:avLst/>
@@ -7854,7 +7854,7 @@
                   <a:cs typeface="+mn-ea"/>
                   <a:sym typeface="+mn-lt"/>
                 </a:rPr>
-                <a:t>Visual Studio</a:t>
+                <a:t>Visual Studio简介</a:t>
               </a:r>
               <a:endParaRPr kumimoji="0" lang="zh-CN" altLang="en-US" sz="2800" b="1" i="0" u="none" strike="noStrike" kern="0" cap="none" spc="300" normalizeH="0" baseline="0" noProof="0" dirty="0">
                 <a:ln>
@@ -7914,8 +7914,8 @@
         </p:nvSpPr>
         <p:spPr>
           <a:xfrm>
-            <a:off x="1530852" y="2306746"/>
-            <a:ext cx="4565148" cy="829945"/>
+            <a:off x="1584953" y="1334769"/>
+            <a:ext cx="5530348" cy="5219506"/>
           </a:xfrm>
           <a:prstGeom prst="rect">
             <a:avLst/>
@@ -7926,6 +7926,53 @@
             <a:spAutoFit/>
           </a:bodyPr>
           <a:lstStyle/>
+          <a:p>
+            <a:pPr marL="0" marR="0" lvl="0" indent="0" defTabSz="914400" rtl="0" eaLnBrk="1" fontAlgn="auto" latinLnBrk="0" hangingPunct="1">
+              <a:lnSpc>
+                <a:spcPct val="150000"/>
+              </a:lnSpc>
+              <a:spcBef>
+                <a:spcPts val="0"/>
+              </a:spcBef>
+              <a:spcAft>
+                <a:spcPts val="0"/>
+              </a:spcAft>
+              <a:buClrTx/>
+              <a:buSzTx/>
+              <a:buFontTx/>
+              <a:buNone/>
+              <a:defRPr/>
+            </a:pPr>
+            <a:r>
+              <a:rPr lang="zh-CN" altLang="en-US" sz="3200" b="1" kern="0" spc="300" noProof="0" dirty="0">
+                <a:ln>
+                  <a:noFill/>
+                </a:ln>
+                <a:solidFill>
+                  <a:schemeClr val="accent2"/>
+                </a:solidFill>
+                <a:effectLst/>
+                <a:uLnTx/>
+                <a:uFillTx/>
+                <a:cs typeface="+mn-ea"/>
+                <a:sym typeface="+mn-lt"/>
+              </a:rPr>
+              <a:t>Visual Studio</a:t>
+            </a:r>
+            <a:endParaRPr lang="en-US" altLang="zh-CN" sz="3200" b="1" kern="0" spc="300" noProof="0" dirty="0">
+              <a:ln>
+                <a:noFill/>
+              </a:ln>
+              <a:solidFill>
+                <a:schemeClr val="accent2"/>
+              </a:solidFill>
+              <a:effectLst/>
+              <a:uLnTx/>
+              <a:uFillTx/>
+              <a:cs typeface="+mn-ea"/>
+              <a:sym typeface="+mn-lt"/>
+            </a:endParaRPr>
+          </a:p>
           <a:p>
             <a:pPr marL="0" marR="0" lvl="0" indent="0" algn="l" defTabSz="914400" rtl="0" eaLnBrk="1" fontAlgn="auto" latinLnBrk="0" hangingPunct="1">
               <a:lnSpc>
@@ -7944,7 +7991,7 @@
               <a:defRPr/>
             </a:pPr>
             <a:r>
-              <a:rPr lang="zh-CN" altLang="en-US" sz="1600" b="1" kern="0" spc="300" noProof="0" dirty="0">
+              <a:rPr kumimoji="0" lang="zh-CN" altLang="en-US" sz="1600" b="1" i="0" u="none" strike="noStrike" kern="0" cap="none" spc="300" normalizeH="0" baseline="0" noProof="0" dirty="0">
                 <a:ln>
                   <a:noFill/>
                 </a:ln>
@@ -7957,21 +8004,360 @@
                 <a:cs typeface="+mn-ea"/>
                 <a:sym typeface="+mn-lt"/>
               </a:rPr>
-              <a:t>Visual Studio</a:t>
+              <a:t>    </a:t>
             </a:r>
-            <a:endParaRPr kumimoji="0" lang="zh-CN" altLang="en-US" sz="1600" b="1" i="0" u="none" strike="noStrike" kern="0" cap="none" spc="300" normalizeH="0" baseline="0" noProof="0" dirty="0">
-              <a:ln>
-                <a:noFill/>
-              </a:ln>
-              <a:solidFill>
-                <a:schemeClr val="bg1"/>
-              </a:solidFill>
-              <a:effectLst/>
-              <a:uLnTx/>
-              <a:uFillTx/>
-              <a:cs typeface="+mn-ea"/>
-              <a:sym typeface="+mn-lt"/>
-            </a:endParaRPr>
+            <a:r>
+              <a:rPr kumimoji="0" lang="zh-CN" altLang="en-US" sz="1600" i="0" u="none" strike="noStrike" kern="0" cap="none" spc="300" normalizeH="0" baseline="0" noProof="0" dirty="0">
+                <a:ln>
+                  <a:noFill/>
+                </a:ln>
+                <a:solidFill>
+                  <a:schemeClr val="bg1"/>
+                </a:solidFill>
+                <a:effectLst/>
+                <a:uLnTx/>
+                <a:uFillTx/>
+                <a:cs typeface="+mn-ea"/>
+                <a:sym typeface="+mn-lt"/>
+              </a:rPr>
+              <a:t>支持</a:t>
+            </a:r>
+            <a:r>
+              <a:rPr kumimoji="0" lang="en-US" altLang="zh-CN" sz="1600" i="0" u="none" strike="noStrike" kern="0" cap="none" spc="300" normalizeH="0" baseline="0" noProof="0" dirty="0">
+                <a:ln>
+                  <a:noFill/>
+                </a:ln>
+                <a:solidFill>
+                  <a:schemeClr val="bg1"/>
+                </a:solidFill>
+                <a:effectLst/>
+                <a:uLnTx/>
+                <a:uFillTx/>
+                <a:cs typeface="+mn-ea"/>
+                <a:sym typeface="+mn-lt"/>
+              </a:rPr>
+              <a:t>.NET </a:t>
+            </a:r>
+            <a:r>
+              <a:rPr kumimoji="0" lang="en-US" altLang="zh-CN" sz="1600" i="0" u="none" strike="noStrike" kern="0" cap="none" spc="300" normalizeH="0" baseline="0" noProof="0" dirty="0" err="1">
+                <a:ln>
+                  <a:noFill/>
+                </a:ln>
+                <a:solidFill>
+                  <a:schemeClr val="bg1"/>
+                </a:solidFill>
+                <a:effectLst/>
+                <a:uLnTx/>
+                <a:uFillTx/>
+                <a:cs typeface="+mn-ea"/>
+                <a:sym typeface="+mn-lt"/>
+              </a:rPr>
+              <a:t>Framwork</a:t>
+            </a:r>
+            <a:r>
+              <a:rPr kumimoji="0" lang="zh-CN" altLang="en-US" sz="1600" i="0" u="none" strike="noStrike" kern="0" cap="none" spc="300" normalizeH="0" baseline="0" noProof="0" dirty="0">
+                <a:ln>
+                  <a:noFill/>
+                </a:ln>
+                <a:solidFill>
+                  <a:schemeClr val="bg1"/>
+                </a:solidFill>
+                <a:effectLst/>
+                <a:uLnTx/>
+                <a:uFillTx/>
+                <a:cs typeface="+mn-ea"/>
+                <a:sym typeface="+mn-lt"/>
+              </a:rPr>
+              <a:t>的</a:t>
+            </a:r>
+            <a:r>
+              <a:rPr kumimoji="0" lang="en-US" altLang="zh-CN" sz="1600" i="0" u="none" strike="noStrike" kern="0" cap="none" spc="300" normalizeH="0" baseline="0" noProof="0" dirty="0">
+                <a:ln>
+                  <a:noFill/>
+                </a:ln>
+                <a:solidFill>
+                  <a:schemeClr val="bg1"/>
+                </a:solidFill>
+                <a:effectLst/>
+                <a:uLnTx/>
+                <a:uFillTx/>
+                <a:cs typeface="+mn-ea"/>
+                <a:sym typeface="+mn-lt"/>
+              </a:rPr>
+              <a:t>C#</a:t>
+            </a:r>
+            <a:r>
+              <a:rPr kumimoji="0" lang="zh-CN" altLang="en-US" sz="1600" i="0" u="none" strike="noStrike" kern="0" cap="none" spc="300" normalizeH="0" baseline="0" noProof="0" dirty="0">
+                <a:ln>
+                  <a:noFill/>
+                </a:ln>
+                <a:solidFill>
+                  <a:schemeClr val="bg1"/>
+                </a:solidFill>
+                <a:effectLst/>
+                <a:uLnTx/>
+                <a:uFillTx/>
+                <a:cs typeface="+mn-ea"/>
+                <a:sym typeface="+mn-lt"/>
+              </a:rPr>
+              <a:t>应用程序编写，可以利用</a:t>
+            </a:r>
+            <a:r>
+              <a:rPr kumimoji="0" lang="en-US" altLang="zh-CN" sz="1600" i="0" u="none" strike="noStrike" kern="0" cap="none" spc="300" normalizeH="0" baseline="0" noProof="0" dirty="0">
+                <a:ln>
+                  <a:noFill/>
+                </a:ln>
+                <a:solidFill>
+                  <a:schemeClr val="bg1"/>
+                </a:solidFill>
+                <a:effectLst/>
+                <a:uLnTx/>
+                <a:uFillTx/>
+                <a:cs typeface="+mn-ea"/>
+                <a:sym typeface="+mn-lt"/>
+              </a:rPr>
+              <a:t>WPF</a:t>
+            </a:r>
+            <a:r>
+              <a:rPr kumimoji="0" lang="zh-CN" altLang="en-US" sz="1600" i="0" u="none" strike="noStrike" kern="0" cap="none" spc="300" normalizeH="0" baseline="0" noProof="0" dirty="0">
+                <a:ln>
+                  <a:noFill/>
+                </a:ln>
+                <a:solidFill>
+                  <a:schemeClr val="bg1"/>
+                </a:solidFill>
+                <a:effectLst/>
+                <a:uLnTx/>
+                <a:uFillTx/>
+                <a:cs typeface="+mn-ea"/>
+                <a:sym typeface="+mn-lt"/>
+              </a:rPr>
+              <a:t>高效编写图形化应用程序。 </a:t>
+            </a:r>
+            <a:r>
+              <a:rPr kumimoji="0" lang="en-US" altLang="zh-CN" sz="1600" i="0" u="none" strike="noStrike" kern="0" cap="none" spc="300" normalizeH="0" baseline="0" noProof="0" dirty="0">
+                <a:ln>
+                  <a:noFill/>
+                </a:ln>
+                <a:solidFill>
+                  <a:schemeClr val="bg1"/>
+                </a:solidFill>
+                <a:effectLst/>
+                <a:uLnTx/>
+                <a:uFillTx/>
+                <a:cs typeface="+mn-ea"/>
+                <a:sym typeface="+mn-lt"/>
+              </a:rPr>
+              <a:t>WPF</a:t>
+            </a:r>
+            <a:r>
+              <a:rPr kumimoji="0" lang="zh-CN" altLang="en-US" sz="1600" i="0" u="none" strike="noStrike" kern="0" cap="none" spc="300" normalizeH="0" baseline="0" noProof="0" dirty="0">
+                <a:ln>
+                  <a:noFill/>
+                </a:ln>
+                <a:solidFill>
+                  <a:schemeClr val="bg1"/>
+                </a:solidFill>
+                <a:effectLst/>
+                <a:uLnTx/>
+                <a:uFillTx/>
+                <a:cs typeface="+mn-ea"/>
+                <a:sym typeface="+mn-lt"/>
+              </a:rPr>
+              <a:t>（</a:t>
+            </a:r>
+            <a:r>
+              <a:rPr kumimoji="0" lang="en-US" altLang="zh-CN" sz="1600" i="0" u="none" strike="noStrike" kern="0" cap="none" spc="300" normalizeH="0" baseline="0" noProof="0" dirty="0">
+                <a:ln>
+                  <a:noFill/>
+                </a:ln>
+                <a:solidFill>
+                  <a:schemeClr val="bg1"/>
+                </a:solidFill>
+                <a:effectLst/>
+                <a:uLnTx/>
+                <a:uFillTx/>
+                <a:cs typeface="+mn-ea"/>
+                <a:sym typeface="+mn-lt"/>
+              </a:rPr>
+              <a:t>Windows Presentation Foundation</a:t>
+            </a:r>
+            <a:r>
+              <a:rPr kumimoji="0" lang="zh-CN" altLang="en-US" sz="1600" i="0" u="none" strike="noStrike" kern="0" cap="none" spc="300" normalizeH="0" baseline="0" noProof="0" dirty="0">
+                <a:ln>
+                  <a:noFill/>
+                </a:ln>
+                <a:solidFill>
+                  <a:schemeClr val="bg1"/>
+                </a:solidFill>
+                <a:effectLst/>
+                <a:uLnTx/>
+                <a:uFillTx/>
+                <a:cs typeface="+mn-ea"/>
+                <a:sym typeface="+mn-lt"/>
+              </a:rPr>
+              <a:t>）是微软推出的基于</a:t>
+            </a:r>
+            <a:r>
+              <a:rPr kumimoji="0" lang="en-US" altLang="zh-CN" sz="1600" i="0" u="none" strike="noStrike" kern="0" cap="none" spc="300" normalizeH="0" baseline="0" noProof="0" dirty="0">
+                <a:ln>
+                  <a:noFill/>
+                </a:ln>
+                <a:solidFill>
+                  <a:schemeClr val="bg1"/>
+                </a:solidFill>
+                <a:effectLst/>
+                <a:uLnTx/>
+                <a:uFillTx/>
+                <a:cs typeface="+mn-ea"/>
+                <a:sym typeface="+mn-lt"/>
+              </a:rPr>
+              <a:t>Windows </a:t>
+            </a:r>
+            <a:r>
+              <a:rPr kumimoji="0" lang="zh-CN" altLang="en-US" sz="1600" i="0" u="none" strike="noStrike" kern="0" cap="none" spc="300" normalizeH="0" baseline="0" noProof="0" dirty="0">
+                <a:ln>
+                  <a:noFill/>
+                </a:ln>
+                <a:solidFill>
+                  <a:schemeClr val="bg1"/>
+                </a:solidFill>
+                <a:effectLst/>
+                <a:uLnTx/>
+                <a:uFillTx/>
+                <a:cs typeface="+mn-ea"/>
+                <a:sym typeface="+mn-lt"/>
+              </a:rPr>
+              <a:t>的用户界面框架，属于</a:t>
+            </a:r>
+            <a:r>
+              <a:rPr kumimoji="0" lang="en-US" altLang="zh-CN" sz="1600" i="0" u="none" strike="noStrike" kern="0" cap="none" spc="300" normalizeH="0" baseline="0" noProof="0" dirty="0">
+                <a:ln>
+                  <a:noFill/>
+                </a:ln>
+                <a:solidFill>
+                  <a:schemeClr val="bg1"/>
+                </a:solidFill>
+                <a:effectLst/>
+                <a:uLnTx/>
+                <a:uFillTx/>
+                <a:cs typeface="+mn-ea"/>
+                <a:sym typeface="+mn-lt"/>
+              </a:rPr>
+              <a:t>.NET Framework 3.0</a:t>
+            </a:r>
+            <a:r>
+              <a:rPr kumimoji="0" lang="zh-CN" altLang="en-US" sz="1600" i="0" u="none" strike="noStrike" kern="0" cap="none" spc="300" normalizeH="0" baseline="0" noProof="0" dirty="0">
+                <a:ln>
+                  <a:noFill/>
+                </a:ln>
+                <a:solidFill>
+                  <a:schemeClr val="bg1"/>
+                </a:solidFill>
+                <a:effectLst/>
+                <a:uLnTx/>
+                <a:uFillTx/>
+                <a:cs typeface="+mn-ea"/>
+                <a:sym typeface="+mn-lt"/>
+              </a:rPr>
+              <a:t>的一部分。用户可以使用 </a:t>
+            </a:r>
+            <a:r>
+              <a:rPr kumimoji="0" lang="en-US" altLang="zh-CN" sz="1600" i="0" u="none" strike="noStrike" kern="0" cap="none" spc="300" normalizeH="0" baseline="0" noProof="0" dirty="0">
+                <a:ln>
+                  <a:noFill/>
+                </a:ln>
+                <a:solidFill>
+                  <a:schemeClr val="bg1"/>
+                </a:solidFill>
+                <a:effectLst/>
+                <a:uLnTx/>
+                <a:uFillTx/>
+                <a:cs typeface="+mn-ea"/>
+                <a:sym typeface="+mn-lt"/>
+              </a:rPr>
+              <a:t>.NET </a:t>
+            </a:r>
+            <a:r>
+              <a:rPr kumimoji="0" lang="zh-CN" altLang="en-US" sz="1600" i="0" u="none" strike="noStrike" kern="0" cap="none" spc="300" normalizeH="0" baseline="0" noProof="0" dirty="0">
+                <a:ln>
+                  <a:noFill/>
+                </a:ln>
+                <a:solidFill>
+                  <a:schemeClr val="bg1"/>
+                </a:solidFill>
+                <a:effectLst/>
+                <a:uLnTx/>
+                <a:uFillTx/>
+                <a:cs typeface="+mn-ea"/>
+                <a:sym typeface="+mn-lt"/>
+              </a:rPr>
+              <a:t>编程语言（如 </a:t>
+            </a:r>
+            <a:r>
+              <a:rPr kumimoji="0" lang="en-US" altLang="zh-CN" sz="1600" i="0" u="none" strike="noStrike" kern="0" cap="none" spc="300" normalizeH="0" baseline="0" noProof="0" dirty="0">
+                <a:ln>
+                  <a:noFill/>
+                </a:ln>
+                <a:solidFill>
+                  <a:schemeClr val="bg1"/>
+                </a:solidFill>
+                <a:effectLst/>
+                <a:uLnTx/>
+                <a:uFillTx/>
+                <a:cs typeface="+mn-ea"/>
+                <a:sym typeface="+mn-lt"/>
+              </a:rPr>
+              <a:t>C# </a:t>
+            </a:r>
+            <a:r>
+              <a:rPr kumimoji="0" lang="zh-CN" altLang="en-US" sz="1600" i="0" u="none" strike="noStrike" kern="0" cap="none" spc="300" normalizeH="0" baseline="0" noProof="0" dirty="0">
+                <a:ln>
+                  <a:noFill/>
+                </a:ln>
+                <a:solidFill>
+                  <a:schemeClr val="bg1"/>
+                </a:solidFill>
+                <a:effectLst/>
+                <a:uLnTx/>
+                <a:uFillTx/>
+                <a:cs typeface="+mn-ea"/>
+                <a:sym typeface="+mn-lt"/>
+              </a:rPr>
+              <a:t>或 </a:t>
+            </a:r>
+            <a:r>
+              <a:rPr kumimoji="0" lang="en-US" altLang="zh-CN" sz="1600" i="0" u="none" strike="noStrike" kern="0" cap="none" spc="300" normalizeH="0" baseline="0" noProof="0" dirty="0">
+                <a:ln>
+                  <a:noFill/>
+                </a:ln>
+                <a:solidFill>
+                  <a:schemeClr val="bg1"/>
+                </a:solidFill>
+                <a:effectLst/>
+                <a:uLnTx/>
+                <a:uFillTx/>
+                <a:cs typeface="+mn-ea"/>
+                <a:sym typeface="+mn-lt"/>
+              </a:rPr>
+              <a:t>Visual Basic</a:t>
+            </a:r>
+            <a:r>
+              <a:rPr kumimoji="0" lang="zh-CN" altLang="en-US" sz="1600" i="0" u="none" strike="noStrike" kern="0" cap="none" spc="300" normalizeH="0" baseline="0" noProof="0" dirty="0">
+                <a:ln>
+                  <a:noFill/>
+                </a:ln>
+                <a:solidFill>
+                  <a:schemeClr val="bg1"/>
+                </a:solidFill>
+                <a:effectLst/>
+                <a:uLnTx/>
+                <a:uFillTx/>
+                <a:cs typeface="+mn-ea"/>
+                <a:sym typeface="+mn-lt"/>
+              </a:rPr>
+              <a:t>）来完成实例化类、设置属性、调用方法以及处理事件等操作。它提供了统一的编程模型、语言和框架，真正做到了分离界面设计人员与开发人员的工作；同时它提供了全新的多媒体交互用户图形界面，从而简单直观地创建客户端应用程序。</a:t>
+            </a:r>
           </a:p>
           <a:p>
             <a:pPr marL="0" marR="0" lvl="0" indent="0" algn="l" defTabSz="914400" rtl="0" eaLnBrk="1" fontAlgn="auto" latinLnBrk="0" hangingPunct="1">
@@ -10597,9 +10983,9 @@
         <p:grpSpPr>
           <a:xfrm>
             <a:off x="259101" y="339724"/>
-            <a:ext cx="3334331" cy="607595"/>
+            <a:ext cx="4292579" cy="607595"/>
             <a:chOff x="259101" y="339724"/>
-            <a:chExt cx="3334331" cy="607595"/>
+            <a:chExt cx="4292579" cy="607595"/>
           </a:xfrm>
         </p:grpSpPr>
         <p:grpSp>
@@ -11188,7 +11574,7 @@
           <p:spPr>
             <a:xfrm>
               <a:off x="962527" y="381911"/>
-              <a:ext cx="2630905" cy="521970"/>
+              <a:ext cx="3589153" cy="523220"/>
             </a:xfrm>
             <a:prstGeom prst="rect">
               <a:avLst/>
@@ -11218,7 +11604,7 @@
                 <a:defRPr/>
               </a:pPr>
               <a:r>
-                <a:rPr kumimoji="0" lang="en-US" altLang="zh-CN" sz="2800" b="1" i="0" u="none" strike="noStrike" kern="1200" cap="none" spc="0" normalizeH="0" baseline="0" noProof="0" dirty="0">
+                <a:rPr kumimoji="0" lang="en-US" altLang="zh-CN" sz="2800" b="1" i="0" u="none" strike="noStrike" kern="1200" cap="none" spc="0" normalizeH="0" baseline="0" noProof="0" dirty="0" err="1">
                   <a:ln w="0">
                     <a:noFill/>
                   </a:ln>
@@ -11235,6 +11621,39 @@
                 </a:rPr>
                 <a:t>MySql</a:t>
               </a:r>
+              <a:r>
+                <a:rPr kumimoji="0" lang="zh-CN" altLang="en-US" sz="2800" b="1" i="0" u="none" strike="noStrike" kern="1200" cap="none" spc="0" normalizeH="0" baseline="0" noProof="0" dirty="0">
+                  <a:ln w="0">
+                    <a:noFill/>
+                  </a:ln>
+                  <a:solidFill>
+                    <a:prstClr val="white"/>
+                  </a:solidFill>
+                  <a:effectLst/>
+                  <a:uLnTx/>
+                  <a:uFillTx/>
+                  <a:latin typeface="微软雅黑" panose="020B0503020204020204" charset="-122"/>
+                  <a:ea typeface="微软雅黑" panose="020B0503020204020204" charset="-122"/>
+                  <a:cs typeface="+mn-ea"/>
+                  <a:sym typeface="+mn-lt"/>
+                </a:rPr>
+                <a:t>数据库简介</a:t>
+              </a:r>
+              <a:endParaRPr kumimoji="0" lang="en-US" altLang="zh-CN" sz="2800" b="1" i="0" u="none" strike="noStrike" kern="1200" cap="none" spc="0" normalizeH="0" baseline="0" noProof="0" dirty="0">
+                <a:ln w="0">
+                  <a:noFill/>
+                </a:ln>
+                <a:solidFill>
+                  <a:prstClr val="white"/>
+                </a:solidFill>
+                <a:effectLst/>
+                <a:uLnTx/>
+                <a:uFillTx/>
+                <a:latin typeface="微软雅黑" panose="020B0503020204020204" charset="-122"/>
+                <a:ea typeface="微软雅黑" panose="020B0503020204020204" charset="-122"/>
+                <a:cs typeface="+mn-ea"/>
+                <a:sym typeface="+mn-lt"/>
+              </a:endParaRPr>
             </a:p>
           </p:txBody>
         </p:sp>
@@ -11247,8 +11666,8 @@
         </p:nvSpPr>
         <p:spPr>
           <a:xfrm>
-            <a:off x="1310858" y="3109657"/>
-            <a:ext cx="4565148" cy="418191"/>
+            <a:off x="1744212" y="1480143"/>
+            <a:ext cx="5296668" cy="4065344"/>
           </a:xfrm>
           <a:prstGeom prst="rect">
             <a:avLst/>
@@ -11277,7 +11696,58 @@
               <a:defRPr/>
             </a:pPr>
             <a:r>
-              <a:rPr kumimoji="0" lang="en-US" altLang="zh-CN" sz="1600" b="0" i="0" u="none" strike="noStrike" kern="1200" cap="none" spc="0" normalizeH="0" baseline="0" noProof="0" dirty="0" err="1">
+              <a:rPr kumimoji="0" lang="en-US" altLang="zh-CN" sz="3200" b="1" i="0" u="none" strike="noStrike" kern="1200" cap="none" spc="0" normalizeH="0" baseline="0" noProof="0" dirty="0" err="1">
+                <a:ln>
+                  <a:noFill/>
+                </a:ln>
+                <a:solidFill>
+                  <a:schemeClr val="accent2"/>
+                </a:solidFill>
+                <a:effectLst/>
+                <a:uLnTx/>
+                <a:uFillTx/>
+                <a:latin typeface="微软雅黑" panose="020B0503020204020204" charset="-122"/>
+                <a:ea typeface="微软雅黑" panose="020B0503020204020204" charset="-122"/>
+                <a:cs typeface="+mn-ea"/>
+                <a:sym typeface="+mn-lt"/>
+              </a:rPr>
+              <a:t>MySql</a:t>
+            </a:r>
+            <a:endParaRPr kumimoji="0" lang="en-US" altLang="zh-CN" sz="3200" b="1" i="0" u="none" strike="noStrike" kern="1200" cap="none" spc="0" normalizeH="0" baseline="0" noProof="0" dirty="0">
+              <a:ln>
+                <a:noFill/>
+              </a:ln>
+              <a:solidFill>
+                <a:schemeClr val="accent2"/>
+              </a:solidFill>
+              <a:effectLst/>
+              <a:uLnTx/>
+              <a:uFillTx/>
+              <a:latin typeface="微软雅黑" panose="020B0503020204020204" charset="-122"/>
+              <a:ea typeface="微软雅黑" panose="020B0503020204020204" charset="-122"/>
+              <a:cs typeface="+mn-ea"/>
+              <a:sym typeface="+mn-lt"/>
+            </a:endParaRPr>
+          </a:p>
+          <a:p>
+            <a:pPr marL="0" marR="0" lvl="0" indent="0" algn="l" defTabSz="914400" rtl="0" eaLnBrk="1" fontAlgn="auto" latinLnBrk="0" hangingPunct="1">
+              <a:lnSpc>
+                <a:spcPct val="150000"/>
+              </a:lnSpc>
+              <a:spcBef>
+                <a:spcPts val="0"/>
+              </a:spcBef>
+              <a:spcAft>
+                <a:spcPts val="0"/>
+              </a:spcAft>
+              <a:buClrTx/>
+              <a:buSzTx/>
+              <a:buFontTx/>
+              <a:buNone/>
+              <a:defRPr/>
+            </a:pPr>
+            <a:r>
+              <a:rPr kumimoji="0" lang="en-US" altLang="zh-CN" b="0" i="0" u="none" strike="noStrike" kern="1200" cap="none" spc="0" normalizeH="0" baseline="0" noProof="0" dirty="0">
                 <a:ln>
                   <a:noFill/>
                 </a:ln>
@@ -11292,8 +11762,152 @@
                 <a:cs typeface="+mn-ea"/>
                 <a:sym typeface="+mn-lt"/>
               </a:rPr>
-              <a:t>MySql</a:t>
+              <a:t>     MySQL</a:t>
             </a:r>
+            <a:r>
+              <a:rPr kumimoji="0" lang="zh-CN" altLang="en-US" b="0" i="0" u="none" strike="noStrike" kern="1200" cap="none" spc="0" normalizeH="0" baseline="0" noProof="0" dirty="0">
+                <a:ln>
+                  <a:noFill/>
+                </a:ln>
+                <a:solidFill>
+                  <a:prstClr val="white"/>
+                </a:solidFill>
+                <a:effectLst/>
+                <a:uLnTx/>
+                <a:uFillTx/>
+                <a:latin typeface="微软雅黑" panose="020B0503020204020204" charset="-122"/>
+                <a:ea typeface="微软雅黑" panose="020B0503020204020204" charset="-122"/>
+                <a:cs typeface="+mn-ea"/>
+                <a:sym typeface="+mn-lt"/>
+              </a:rPr>
+              <a:t>是一个对个人免费小巧且简单高效的数据库系统，与一些更大系统的设置和管理相比，其复杂程度较低，</a:t>
+            </a:r>
+            <a:r>
+              <a:rPr kumimoji="0" lang="en-US" altLang="zh-CN" b="0" i="0" u="none" strike="noStrike" kern="1200" cap="none" spc="0" normalizeH="0" baseline="0" noProof="0" dirty="0">
+                <a:ln>
+                  <a:noFill/>
+                </a:ln>
+                <a:solidFill>
+                  <a:prstClr val="white"/>
+                </a:solidFill>
+                <a:effectLst/>
+                <a:uLnTx/>
+                <a:uFillTx/>
+                <a:latin typeface="微软雅黑" panose="020B0503020204020204" charset="-122"/>
+                <a:ea typeface="微软雅黑" panose="020B0503020204020204" charset="-122"/>
+                <a:cs typeface="+mn-ea"/>
+                <a:sym typeface="+mn-lt"/>
+              </a:rPr>
+              <a:t>MySQL </a:t>
+            </a:r>
+            <a:r>
+              <a:rPr kumimoji="0" lang="zh-CN" altLang="en-US" b="0" i="0" u="none" strike="noStrike" kern="1200" cap="none" spc="0" normalizeH="0" baseline="0" noProof="0" dirty="0">
+                <a:ln>
+                  <a:noFill/>
+                </a:ln>
+                <a:solidFill>
+                  <a:prstClr val="white"/>
+                </a:solidFill>
+                <a:effectLst/>
+                <a:uLnTx/>
+                <a:uFillTx/>
+                <a:latin typeface="微软雅黑" panose="020B0503020204020204" charset="-122"/>
+                <a:ea typeface="微软雅黑" panose="020B0503020204020204" charset="-122"/>
+                <a:cs typeface="+mn-ea"/>
+                <a:sym typeface="+mn-lt"/>
+              </a:rPr>
+              <a:t>完全网络化，高度可移植，其数据库可在因特网上的任何地方共享访问，而且 </a:t>
+            </a:r>
+            <a:r>
+              <a:rPr kumimoji="0" lang="en-US" altLang="zh-CN" b="0" i="0" u="none" strike="noStrike" kern="1200" cap="none" spc="0" normalizeH="0" baseline="0" noProof="0" dirty="0">
+                <a:ln>
+                  <a:noFill/>
+                </a:ln>
+                <a:solidFill>
+                  <a:prstClr val="white"/>
+                </a:solidFill>
+                <a:effectLst/>
+                <a:uLnTx/>
+                <a:uFillTx/>
+                <a:latin typeface="微软雅黑" panose="020B0503020204020204" charset="-122"/>
+                <a:ea typeface="微软雅黑" panose="020B0503020204020204" charset="-122"/>
+                <a:cs typeface="+mn-ea"/>
+                <a:sym typeface="+mn-lt"/>
+              </a:rPr>
+              <a:t>MySQL </a:t>
+            </a:r>
+            <a:r>
+              <a:rPr kumimoji="0" lang="zh-CN" altLang="en-US" b="0" i="0" u="none" strike="noStrike" kern="1200" cap="none" spc="0" normalizeH="0" baseline="0" noProof="0" dirty="0">
+                <a:ln>
+                  <a:noFill/>
+                </a:ln>
+                <a:solidFill>
+                  <a:prstClr val="white"/>
+                </a:solidFill>
+                <a:effectLst/>
+                <a:uLnTx/>
+                <a:uFillTx/>
+                <a:latin typeface="微软雅黑" panose="020B0503020204020204" charset="-122"/>
+                <a:ea typeface="微软雅黑" panose="020B0503020204020204" charset="-122"/>
+                <a:cs typeface="+mn-ea"/>
+                <a:sym typeface="+mn-lt"/>
+              </a:rPr>
+              <a:t>还能进行访问控制，可以控制哪些人不能看到您的数据。并且据开发者称， </a:t>
+            </a:r>
+            <a:r>
+              <a:rPr kumimoji="0" lang="en-US" altLang="zh-CN" b="0" i="0" u="none" strike="noStrike" kern="1200" cap="none" spc="0" normalizeH="0" baseline="0" noProof="0" dirty="0">
+                <a:ln>
+                  <a:noFill/>
+                </a:ln>
+                <a:solidFill>
+                  <a:prstClr val="white"/>
+                </a:solidFill>
+                <a:effectLst/>
+                <a:uLnTx/>
+                <a:uFillTx/>
+                <a:latin typeface="微软雅黑" panose="020B0503020204020204" charset="-122"/>
+                <a:ea typeface="微软雅黑" panose="020B0503020204020204" charset="-122"/>
+                <a:cs typeface="+mn-ea"/>
+                <a:sym typeface="+mn-lt"/>
+              </a:rPr>
+              <a:t>MySQL </a:t>
+            </a:r>
+            <a:r>
+              <a:rPr kumimoji="0" lang="zh-CN" altLang="en-US" b="0" i="0" u="none" strike="noStrike" kern="1200" cap="none" spc="0" normalizeH="0" baseline="0" noProof="0" dirty="0">
+                <a:ln>
+                  <a:noFill/>
+                </a:ln>
+                <a:solidFill>
+                  <a:prstClr val="white"/>
+                </a:solidFill>
+                <a:effectLst/>
+                <a:uLnTx/>
+                <a:uFillTx/>
+                <a:latin typeface="微软雅黑" panose="020B0503020204020204" charset="-122"/>
+                <a:ea typeface="微软雅黑" panose="020B0503020204020204" charset="-122"/>
+                <a:cs typeface="+mn-ea"/>
+                <a:sym typeface="+mn-lt"/>
+              </a:rPr>
+              <a:t>可能是目前能得到的最快的数据库。</a:t>
+            </a:r>
+          </a:p>
+          <a:p>
+            <a:pPr marL="0" marR="0" lvl="0" indent="0" algn="l" defTabSz="914400" rtl="0" eaLnBrk="1" fontAlgn="auto" latinLnBrk="0" hangingPunct="1">
+              <a:lnSpc>
+                <a:spcPct val="150000"/>
+              </a:lnSpc>
+              <a:spcBef>
+                <a:spcPts val="0"/>
+              </a:spcBef>
+              <a:spcAft>
+                <a:spcPts val="0"/>
+              </a:spcAft>
+              <a:buClrTx/>
+              <a:buSzTx/>
+              <a:buFontTx/>
+              <a:buNone/>
+              <a:defRPr/>
+            </a:pPr>
             <a:endParaRPr kumimoji="0" lang="en-US" sz="1600" b="0" i="0" u="none" strike="noStrike" kern="1200" cap="none" spc="0" normalizeH="0" baseline="0" noProof="0" dirty="0">
               <a:ln>
                 <a:noFill/>
@@ -40261,8 +40875,8 @@
         </p:nvSpPr>
         <p:spPr>
           <a:xfrm>
-            <a:off x="1530852" y="2306746"/>
-            <a:ext cx="4565148" cy="460375"/>
+            <a:off x="1310858" y="1321752"/>
+            <a:ext cx="5161062" cy="4106060"/>
           </a:xfrm>
           <a:prstGeom prst="rect">
             <a:avLst/>
@@ -40291,7 +40905,54 @@
               <a:defRPr/>
             </a:pPr>
             <a:r>
-              <a:rPr lang="zh-CN" altLang="en-US" sz="1600" b="1" kern="0" spc="300" noProof="0" dirty="0">
+              <a:rPr lang="zh-CN" altLang="en-US" sz="3200" b="1" kern="0" spc="300" noProof="0" dirty="0">
+                <a:ln>
+                  <a:noFill/>
+                </a:ln>
+                <a:solidFill>
+                  <a:schemeClr val="accent2"/>
+                </a:solidFill>
+                <a:effectLst/>
+                <a:uLnTx/>
+                <a:uFillTx/>
+                <a:cs typeface="+mn-ea"/>
+                <a:sym typeface="+mn-lt"/>
+              </a:rPr>
+              <a:t>C#</a:t>
+            </a:r>
+            <a:endParaRPr lang="en-US" altLang="zh-CN" sz="3200" b="1" kern="0" spc="300" noProof="0" dirty="0">
+              <a:ln>
+                <a:noFill/>
+              </a:ln>
+              <a:solidFill>
+                <a:schemeClr val="accent2"/>
+              </a:solidFill>
+              <a:effectLst/>
+              <a:uLnTx/>
+              <a:uFillTx/>
+              <a:cs typeface="+mn-ea"/>
+              <a:sym typeface="+mn-lt"/>
+            </a:endParaRPr>
+          </a:p>
+          <a:p>
+            <a:pPr marL="0" marR="0" lvl="0" indent="0" defTabSz="914400" eaLnBrk="1" fontAlgn="auto" latinLnBrk="0" hangingPunct="1">
+              <a:lnSpc>
+                <a:spcPct val="150000"/>
+              </a:lnSpc>
+              <a:spcBef>
+                <a:spcPts val="0"/>
+              </a:spcBef>
+              <a:spcAft>
+                <a:spcPts val="0"/>
+              </a:spcAft>
+              <a:buClrTx/>
+              <a:buSzTx/>
+              <a:buFontTx/>
+              <a:buNone/>
+              <a:defRPr/>
+            </a:pPr>
+            <a:r>
+              <a:rPr lang="en-US" altLang="zh-CN" kern="0" spc="300" noProof="0" dirty="0">
                 <a:ln>
                   <a:noFill/>
                 </a:ln>
@@ -40304,7 +40965,311 @@
                 <a:cs typeface="+mn-ea"/>
                 <a:sym typeface="+mn-lt"/>
               </a:rPr>
-              <a:t>C#</a:t>
+              <a:t>    C#</a:t>
+            </a:r>
+            <a:r>
+              <a:rPr lang="zh-CN" altLang="en-US" kern="0" spc="300" noProof="0" dirty="0">
+                <a:ln>
+                  <a:noFill/>
+                </a:ln>
+                <a:solidFill>
+                  <a:schemeClr val="bg1"/>
+                </a:solidFill>
+                <a:effectLst/>
+                <a:uLnTx/>
+                <a:uFillTx/>
+                <a:cs typeface="+mn-ea"/>
+                <a:sym typeface="+mn-lt"/>
+              </a:rPr>
+              <a:t>是其是一种安全、稳定、简单、优雅，在</a:t>
+            </a:r>
+            <a:r>
+              <a:rPr lang="en-US" altLang="zh-CN" kern="0" spc="300" noProof="0" dirty="0">
+                <a:ln>
+                  <a:noFill/>
+                </a:ln>
+                <a:solidFill>
+                  <a:schemeClr val="bg1"/>
+                </a:solidFill>
+                <a:effectLst/>
+                <a:uLnTx/>
+                <a:uFillTx/>
+                <a:cs typeface="+mn-ea"/>
+                <a:sym typeface="+mn-lt"/>
+              </a:rPr>
+              <a:t>C</a:t>
+            </a:r>
+            <a:r>
+              <a:rPr lang="zh-CN" altLang="en-US" kern="0" spc="300" noProof="0" dirty="0">
+                <a:ln>
+                  <a:noFill/>
+                </a:ln>
+                <a:solidFill>
+                  <a:schemeClr val="bg1"/>
+                </a:solidFill>
+                <a:effectLst/>
+                <a:uLnTx/>
+                <a:uFillTx/>
+                <a:cs typeface="+mn-ea"/>
+                <a:sym typeface="+mn-lt"/>
+              </a:rPr>
+              <a:t>及</a:t>
+            </a:r>
+            <a:r>
+              <a:rPr lang="en-US" altLang="zh-CN" kern="0" spc="300" noProof="0" dirty="0">
+                <a:ln>
+                  <a:noFill/>
+                </a:ln>
+                <a:solidFill>
+                  <a:schemeClr val="bg1"/>
+                </a:solidFill>
+                <a:effectLst/>
+                <a:uLnTx/>
+                <a:uFillTx/>
+                <a:cs typeface="+mn-ea"/>
+                <a:sym typeface="+mn-lt"/>
+              </a:rPr>
+              <a:t>C++</a:t>
+            </a:r>
+            <a:r>
+              <a:rPr lang="zh-CN" altLang="en-US" kern="0" spc="300" noProof="0" dirty="0">
+                <a:ln>
+                  <a:noFill/>
+                </a:ln>
+                <a:solidFill>
+                  <a:schemeClr val="bg1"/>
+                </a:solidFill>
+                <a:effectLst/>
+                <a:uLnTx/>
+                <a:uFillTx/>
+                <a:cs typeface="+mn-ea"/>
+                <a:sym typeface="+mn-lt"/>
+              </a:rPr>
+              <a:t>编程语言基础上衍生发展而来的面向对象的新的编程语言。不仅继承了</a:t>
+            </a:r>
+            <a:r>
+              <a:rPr lang="en-US" altLang="zh-CN" kern="0" spc="300" noProof="0" dirty="0">
+                <a:ln>
+                  <a:noFill/>
+                </a:ln>
+                <a:solidFill>
+                  <a:schemeClr val="bg1"/>
+                </a:solidFill>
+                <a:effectLst/>
+                <a:uLnTx/>
+                <a:uFillTx/>
+                <a:cs typeface="+mn-ea"/>
+                <a:sym typeface="+mn-lt"/>
+              </a:rPr>
+              <a:t>C++</a:t>
+            </a:r>
+            <a:r>
+              <a:rPr lang="zh-CN" altLang="en-US" kern="0" spc="300" noProof="0" dirty="0">
+                <a:ln>
+                  <a:noFill/>
+                </a:ln>
+                <a:solidFill>
+                  <a:schemeClr val="bg1"/>
+                </a:solidFill>
+                <a:effectLst/>
+                <a:uLnTx/>
+                <a:uFillTx/>
+                <a:cs typeface="+mn-ea"/>
+                <a:sym typeface="+mn-lt"/>
+              </a:rPr>
+              <a:t>类型安全检测及重载等强大功能，同时还提供了取代</a:t>
+            </a:r>
+            <a:r>
+              <a:rPr lang="en-US" altLang="zh-CN" kern="0" spc="300" noProof="0" dirty="0">
+                <a:ln>
+                  <a:noFill/>
+                </a:ln>
+                <a:solidFill>
+                  <a:schemeClr val="bg1"/>
+                </a:solidFill>
+                <a:effectLst/>
+                <a:uLnTx/>
+                <a:uFillTx/>
+                <a:cs typeface="+mn-ea"/>
+                <a:sym typeface="+mn-lt"/>
+              </a:rPr>
+              <a:t>C++</a:t>
+            </a:r>
+            <a:r>
+              <a:rPr lang="zh-CN" altLang="en-US" kern="0" spc="300" noProof="0" dirty="0">
+                <a:ln>
+                  <a:noFill/>
+                </a:ln>
+                <a:solidFill>
+                  <a:schemeClr val="bg1"/>
+                </a:solidFill>
+                <a:effectLst/>
+                <a:uLnTx/>
+                <a:uFillTx/>
+                <a:cs typeface="+mn-ea"/>
+                <a:sym typeface="+mn-lt"/>
+              </a:rPr>
+              <a:t>的</a:t>
+            </a:r>
+            <a:r>
+              <a:rPr lang="en-US" altLang="zh-CN" kern="0" spc="300" noProof="0" dirty="0">
+                <a:ln>
+                  <a:noFill/>
+                </a:ln>
+                <a:solidFill>
+                  <a:schemeClr val="bg1"/>
+                </a:solidFill>
+                <a:effectLst/>
+                <a:uLnTx/>
+                <a:uFillTx/>
+                <a:cs typeface="+mn-ea"/>
+                <a:sym typeface="+mn-lt"/>
+              </a:rPr>
+              <a:t>ANSI</a:t>
+            </a:r>
+            <a:r>
+              <a:rPr lang="zh-CN" altLang="en-US" kern="0" spc="300" noProof="0" dirty="0">
+                <a:ln>
+                  <a:noFill/>
+                </a:ln>
+                <a:solidFill>
+                  <a:schemeClr val="bg1"/>
+                </a:solidFill>
+                <a:effectLst/>
+                <a:uLnTx/>
+                <a:uFillTx/>
+                <a:cs typeface="+mn-ea"/>
+                <a:sym typeface="+mn-lt"/>
+              </a:rPr>
+              <a:t>和</a:t>
+            </a:r>
+            <a:r>
+              <a:rPr lang="en-US" altLang="zh-CN" kern="0" spc="300" noProof="0" dirty="0">
+                <a:ln>
+                  <a:noFill/>
+                </a:ln>
+                <a:solidFill>
+                  <a:schemeClr val="bg1"/>
+                </a:solidFill>
+                <a:effectLst/>
+                <a:uLnTx/>
+                <a:uFillTx/>
+                <a:cs typeface="+mn-ea"/>
+                <a:sym typeface="+mn-lt"/>
+              </a:rPr>
+              <a:t>C</a:t>
+            </a:r>
+            <a:r>
+              <a:rPr lang="zh-CN" altLang="en-US" kern="0" spc="300" noProof="0" dirty="0">
+                <a:ln>
+                  <a:noFill/>
+                </a:ln>
+                <a:solidFill>
+                  <a:schemeClr val="bg1"/>
+                </a:solidFill>
+                <a:effectLst/>
+                <a:uLnTx/>
+                <a:uFillTx/>
+                <a:cs typeface="+mn-ea"/>
+                <a:sym typeface="+mn-lt"/>
+              </a:rPr>
+              <a:t>预处理程序等功能的新功能，使类型安全性进一步提高。融合</a:t>
+            </a:r>
+            <a:r>
+              <a:rPr lang="en-US" altLang="zh-CN" kern="0" spc="300" noProof="0" dirty="0">
+                <a:ln>
+                  <a:noFill/>
+                </a:ln>
+                <a:solidFill>
+                  <a:schemeClr val="bg1"/>
+                </a:solidFill>
+                <a:effectLst/>
+                <a:uLnTx/>
+                <a:uFillTx/>
+                <a:cs typeface="+mn-ea"/>
+                <a:sym typeface="+mn-lt"/>
+              </a:rPr>
+              <a:t>XML</a:t>
+            </a:r>
+            <a:r>
+              <a:rPr lang="zh-CN" altLang="en-US" kern="0" spc="300" noProof="0" dirty="0">
+                <a:ln>
+                  <a:noFill/>
+                </a:ln>
+                <a:solidFill>
+                  <a:schemeClr val="bg1"/>
+                </a:solidFill>
+                <a:effectLst/>
+                <a:uLnTx/>
+                <a:uFillTx/>
+                <a:cs typeface="+mn-ea"/>
+                <a:sym typeface="+mn-lt"/>
+              </a:rPr>
+              <a:t>技术</a:t>
+            </a:r>
+            <a:r>
+              <a:rPr lang="en-US" altLang="zh-CN" kern="0" spc="300" noProof="0" dirty="0">
+                <a:ln>
+                  <a:noFill/>
+                </a:ln>
+                <a:solidFill>
+                  <a:schemeClr val="bg1"/>
+                </a:solidFill>
+                <a:effectLst/>
+                <a:uLnTx/>
+                <a:uFillTx/>
+                <a:cs typeface="+mn-ea"/>
+                <a:sym typeface="+mn-lt"/>
+              </a:rPr>
+              <a:t>,</a:t>
+            </a:r>
+            <a:r>
+              <a:rPr lang="zh-CN" altLang="en-US" kern="0" spc="300" noProof="0" dirty="0">
+                <a:ln>
+                  <a:noFill/>
+                </a:ln>
+                <a:solidFill>
+                  <a:schemeClr val="bg1"/>
+                </a:solidFill>
+                <a:effectLst/>
+                <a:uLnTx/>
+                <a:uFillTx/>
+                <a:cs typeface="+mn-ea"/>
+                <a:sym typeface="+mn-lt"/>
+              </a:rPr>
+              <a:t>并实现了跨平台操作，具备</a:t>
+            </a:r>
+            <a:r>
+              <a:rPr lang="en-US" altLang="zh-CN" kern="0" spc="300" noProof="0" dirty="0">
+                <a:ln>
+                  <a:noFill/>
+                </a:ln>
+                <a:solidFill>
+                  <a:schemeClr val="bg1"/>
+                </a:solidFill>
+                <a:effectLst/>
+                <a:uLnTx/>
+                <a:uFillTx/>
+                <a:cs typeface="+mn-ea"/>
+                <a:sym typeface="+mn-lt"/>
+              </a:rPr>
+              <a:t>Web</a:t>
+            </a:r>
+            <a:r>
+              <a:rPr lang="zh-CN" altLang="en-US" kern="0" spc="300" noProof="0" dirty="0">
+                <a:ln>
+                  <a:noFill/>
+                </a:ln>
+                <a:solidFill>
+                  <a:schemeClr val="bg1"/>
+                </a:solidFill>
+                <a:effectLst/>
+                <a:uLnTx/>
+                <a:uFillTx/>
+                <a:cs typeface="+mn-ea"/>
+                <a:sym typeface="+mn-lt"/>
+              </a:rPr>
+              <a:t>应用程序开发的强大功能。</a:t>
             </a:r>
           </a:p>
         </p:txBody>

--- a/PPT_Prepresentation/学生成绩管理系统_开题答辩.pptx
+++ b/PPT_Prepresentation/学生成绩管理系统_开题答辩.pptx
@@ -286,7 +286,7 @@
           <a:p>
             <a:fld id="{6F7BCEFD-33B2-4F9C-899B-A2D875787D80}" type="datetimeFigureOut">
               <a:rPr lang="zh-CN" altLang="en-US" smtClean="0"/>
-              <a:t>2023/8/17</a:t>
+              <a:t>2023/8/21</a:t>
             </a:fld>
             <a:endParaRPr lang="zh-CN" altLang="en-US"/>
           </a:p>
@@ -545,7 +545,7 @@
           <a:p>
             <a:fld id="{6F7BCEFD-33B2-4F9C-899B-A2D875787D80}" type="datetimeFigureOut">
               <a:rPr lang="zh-CN" altLang="en-US" smtClean="0"/>
-              <a:t>2023/8/17</a:t>
+              <a:t>2023/8/21</a:t>
             </a:fld>
             <a:endParaRPr lang="zh-CN" altLang="en-US"/>
           </a:p>
@@ -720,7 +720,7 @@
           <a:p>
             <a:fld id="{6F7BCEFD-33B2-4F9C-899B-A2D875787D80}" type="datetimeFigureOut">
               <a:rPr lang="zh-CN" altLang="en-US" smtClean="0"/>
-              <a:t>2023/8/17</a:t>
+              <a:t>2023/8/21</a:t>
             </a:fld>
             <a:endParaRPr lang="zh-CN" altLang="en-US"/>
           </a:p>
@@ -905,7 +905,7 @@
           <a:p>
             <a:fld id="{6F7BCEFD-33B2-4F9C-899B-A2D875787D80}" type="datetimeFigureOut">
               <a:rPr lang="zh-CN" altLang="en-US" smtClean="0"/>
-              <a:t>2023/8/17</a:t>
+              <a:t>2023/8/21</a:t>
             </a:fld>
             <a:endParaRPr lang="zh-CN" altLang="en-US"/>
           </a:p>
@@ -1108,7 +1108,7 @@
                   <a:prstClr val="black"/>
                 </a:solidFill>
               </a:rPr>
-              <a:t>2023/8/17</a:t>
+              <a:t>2023/8/21</a:t>
             </a:fld>
             <a:endParaRPr lang="zh-CN" altLang="en-US">
               <a:solidFill>
@@ -1331,7 +1331,7 @@
                   <a:prstClr val="black"/>
                 </a:solidFill>
               </a:rPr>
-              <a:t>2023/8/17</a:t>
+              <a:t>2023/8/21</a:t>
             </a:fld>
             <a:endParaRPr lang="zh-CN" altLang="en-US">
               <a:solidFill>
@@ -1551,7 +1551,7 @@
           <a:p>
             <a:fld id="{6F7BCEFD-33B2-4F9C-899B-A2D875787D80}" type="datetimeFigureOut">
               <a:rPr lang="zh-CN" altLang="en-US" smtClean="0"/>
-              <a:t>2023/8/17</a:t>
+              <a:t>2023/8/21</a:t>
             </a:fld>
             <a:endParaRPr lang="zh-CN" altLang="en-US"/>
           </a:p>
@@ -1803,7 +1803,7 @@
           <a:p>
             <a:fld id="{6F7BCEFD-33B2-4F9C-899B-A2D875787D80}" type="datetimeFigureOut">
               <a:rPr lang="zh-CN" altLang="en-US" smtClean="0"/>
-              <a:t>2023/8/17</a:t>
+              <a:t>2023/8/21</a:t>
             </a:fld>
             <a:endParaRPr lang="zh-CN" altLang="en-US"/>
           </a:p>
@@ -2039,7 +2039,7 @@
           <a:p>
             <a:fld id="{6F7BCEFD-33B2-4F9C-899B-A2D875787D80}" type="datetimeFigureOut">
               <a:rPr lang="zh-CN" altLang="en-US" smtClean="0"/>
-              <a:t>2023/8/17</a:t>
+              <a:t>2023/8/21</a:t>
             </a:fld>
             <a:endParaRPr lang="zh-CN" altLang="en-US"/>
           </a:p>
@@ -2410,7 +2410,7 @@
           <a:p>
             <a:fld id="{6F7BCEFD-33B2-4F9C-899B-A2D875787D80}" type="datetimeFigureOut">
               <a:rPr lang="zh-CN" altLang="en-US" smtClean="0"/>
-              <a:t>2023/8/17</a:t>
+              <a:t>2023/8/21</a:t>
             </a:fld>
             <a:endParaRPr lang="zh-CN" altLang="en-US"/>
           </a:p>
@@ -2781,7 +2781,7 @@
           <a:p>
             <a:fld id="{6F7BCEFD-33B2-4F9C-899B-A2D875787D80}" type="datetimeFigureOut">
               <a:rPr lang="zh-CN" altLang="en-US" smtClean="0"/>
-              <a:t>2023/8/17</a:t>
+              <a:t>2023/8/21</a:t>
             </a:fld>
             <a:endParaRPr lang="zh-CN" altLang="en-US"/>
           </a:p>
@@ -3005,7 +3005,7 @@
           <a:p>
             <a:fld id="{6F7BCEFD-33B2-4F9C-899B-A2D875787D80}" type="datetimeFigureOut">
               <a:rPr lang="zh-CN" altLang="en-US" smtClean="0"/>
-              <a:t>2023/8/17</a:t>
+              <a:t>2023/8/21</a:t>
             </a:fld>
             <a:endParaRPr lang="zh-CN" altLang="en-US"/>
           </a:p>
@@ -3107,7 +3107,7 @@
           <a:p>
             <a:fld id="{6F7BCEFD-33B2-4F9C-899B-A2D875787D80}" type="datetimeFigureOut">
               <a:rPr lang="zh-CN" altLang="en-US" smtClean="0"/>
-              <a:t>2023/8/17</a:t>
+              <a:t>2023/8/21</a:t>
             </a:fld>
             <a:endParaRPr lang="zh-CN" altLang="en-US"/>
           </a:p>
@@ -3389,7 +3389,7 @@
           <a:p>
             <a:fld id="{6F7BCEFD-33B2-4F9C-899B-A2D875787D80}" type="datetimeFigureOut">
               <a:rPr lang="zh-CN" altLang="en-US" smtClean="0"/>
-              <a:t>2023/8/17</a:t>
+              <a:t>2023/8/21</a:t>
             </a:fld>
             <a:endParaRPr lang="zh-CN" altLang="en-US"/>
           </a:p>
@@ -3609,7 +3609,7 @@
           <a:p>
             <a:fld id="{6F7BCEFD-33B2-4F9C-899B-A2D875787D80}" type="datetimeFigureOut">
               <a:rPr lang="zh-CN" altLang="en-US" smtClean="0"/>
-              <a:t>2023/8/17</a:t>
+              <a:t>2023/8/21</a:t>
             </a:fld>
             <a:endParaRPr lang="zh-CN" altLang="en-US" dirty="0"/>
           </a:p>
@@ -17460,7 +17460,7 @@
           <p:nvPr>
             <p:extLst>
               <p:ext uri="{D42A27DB-BD31-4B8C-83A1-F6EECF244321}">
-                <p14:modId xmlns:p14="http://schemas.microsoft.com/office/powerpoint/2010/main" val="1391427628"/>
+                <p14:modId xmlns:p14="http://schemas.microsoft.com/office/powerpoint/2010/main" val="2100924057"/>
               </p:ext>
             </p:extLst>
           </p:nvPr>
@@ -17638,6 +17638,57 @@
                         </a:rPr>
                         <a:t>语言；学习项目管理</a:t>
                       </a:r>
+                      <a:r>
+                        <a:rPr lang="zh-CN" altLang="en-US" sz="1800" noProof="0" dirty="0">
+                          <a:ln w="0">
+                            <a:noFill/>
+                          </a:ln>
+                          <a:solidFill>
+                            <a:schemeClr val="bg2">
+                              <a:lumMod val="75000"/>
+                            </a:schemeClr>
+                          </a:solidFill>
+                          <a:effectLst/>
+                          <a:uLnTx/>
+                          <a:uFillTx/>
+                          <a:sym typeface="+mn-lt"/>
+                        </a:rPr>
+                        <a:t>（</a:t>
+                      </a:r>
+                      <a:r>
+                        <a:rPr lang="en-US" altLang="zh-CN" sz="1800" noProof="0" dirty="0">
+                          <a:ln w="0">
+                            <a:noFill/>
+                          </a:ln>
+                          <a:solidFill>
+                            <a:schemeClr val="bg2">
+                              <a:lumMod val="75000"/>
+                            </a:schemeClr>
+                          </a:solidFill>
+                          <a:effectLst/>
+                          <a:uLnTx/>
+                          <a:uFillTx/>
+                          <a:sym typeface="+mn-lt"/>
+                        </a:rPr>
+                        <a:t>All</a:t>
+                      </a:r>
+                      <a:r>
+                        <a:rPr lang="zh-CN" altLang="en-US" sz="1800" noProof="0" dirty="0">
+                          <a:ln w="0">
+                            <a:noFill/>
+                          </a:ln>
+                          <a:solidFill>
+                            <a:schemeClr val="bg2">
+                              <a:lumMod val="75000"/>
+                            </a:schemeClr>
+                          </a:solidFill>
+                          <a:effectLst/>
+                          <a:uLnTx/>
+                          <a:uFillTx/>
+                          <a:sym typeface="+mn-lt"/>
+                        </a:rPr>
+                        <a:t>）</a:t>
+                      </a:r>
                     </a:p>
                   </a:txBody>
                   <a:tcPr/>
@@ -17705,6 +17756,57 @@
                         </a:rPr>
                         <a:t>讨论项目的具体实施方案，准备开题答辩</a:t>
                       </a:r>
+                      <a:r>
+                        <a:rPr lang="zh-CN" altLang="en-US" sz="1800" noProof="0" dirty="0">
+                          <a:ln w="0">
+                            <a:noFill/>
+                          </a:ln>
+                          <a:solidFill>
+                            <a:schemeClr val="bg2">
+                              <a:lumMod val="75000"/>
+                            </a:schemeClr>
+                          </a:solidFill>
+                          <a:effectLst/>
+                          <a:uLnTx/>
+                          <a:uFillTx/>
+                          <a:sym typeface="+mn-lt"/>
+                        </a:rPr>
+                        <a:t>（</a:t>
+                      </a:r>
+                      <a:r>
+                        <a:rPr lang="en-US" altLang="zh-CN" sz="1800" noProof="0" dirty="0">
+                          <a:ln w="0">
+                            <a:noFill/>
+                          </a:ln>
+                          <a:solidFill>
+                            <a:schemeClr val="bg2">
+                              <a:lumMod val="75000"/>
+                            </a:schemeClr>
+                          </a:solidFill>
+                          <a:effectLst/>
+                          <a:uLnTx/>
+                          <a:uFillTx/>
+                          <a:sym typeface="+mn-lt"/>
+                        </a:rPr>
+                        <a:t>All</a:t>
+                      </a:r>
+                      <a:r>
+                        <a:rPr lang="zh-CN" altLang="en-US" sz="1800" noProof="0" dirty="0">
+                          <a:ln w="0">
+                            <a:noFill/>
+                          </a:ln>
+                          <a:solidFill>
+                            <a:schemeClr val="bg2">
+                              <a:lumMod val="75000"/>
+                            </a:schemeClr>
+                          </a:solidFill>
+                          <a:effectLst/>
+                          <a:uLnTx/>
+                          <a:uFillTx/>
+                          <a:sym typeface="+mn-lt"/>
+                        </a:rPr>
+                        <a:t>）</a:t>
+                      </a:r>
                     </a:p>
                   </a:txBody>
                   <a:tcPr/>
@@ -17763,6 +17865,23 @@
                           <a:sym typeface="+mn-lt"/>
                         </a:rPr>
                         <a:t>开题答辩</a:t>
+                      </a:r>
+                      <a:r>
+                        <a:rPr lang="zh-CN" altLang="en-US" sz="1800" noProof="0" dirty="0">
+                          <a:ln w="0">
+                            <a:noFill/>
+                          </a:ln>
+                          <a:solidFill>
+                            <a:schemeClr val="bg2">
+                              <a:lumMod val="75000"/>
+                            </a:schemeClr>
+                          </a:solidFill>
+                          <a:effectLst/>
+                          <a:uLnTx/>
+                          <a:uFillTx/>
+                          <a:sym typeface="+mn-lt"/>
+                        </a:rPr>
+                        <a:t>（周远哲）</a:t>
                       </a:r>
                     </a:p>
                   </a:txBody>
@@ -17855,6 +17974,23 @@
                         </a:rPr>
                         <a:t>数据库的基本操作（增删改查）实现</a:t>
                       </a:r>
+                      <a:r>
+                        <a:rPr lang="zh-CN" altLang="en-US" sz="1800" noProof="0" dirty="0">
+                          <a:ln w="0">
+                            <a:noFill/>
+                          </a:ln>
+                          <a:solidFill>
+                            <a:schemeClr val="bg2">
+                              <a:lumMod val="75000"/>
+                            </a:schemeClr>
+                          </a:solidFill>
+                          <a:effectLst/>
+                          <a:uLnTx/>
+                          <a:uFillTx/>
+                          <a:sym typeface="+mn-lt"/>
+                        </a:rPr>
+                        <a:t>（徐诗博）</a:t>
+                      </a:r>
                     </a:p>
                   </a:txBody>
                   <a:tcPr/>
@@ -17934,6 +18070,23 @@
                         </a:rPr>
                         <a:t>桌面软件的图形界面设计</a:t>
                       </a:r>
+                      <a:r>
+                        <a:rPr lang="zh-CN" altLang="en-US" sz="1800" noProof="0" dirty="0">
+                          <a:ln w="0">
+                            <a:noFill/>
+                          </a:ln>
+                          <a:solidFill>
+                            <a:schemeClr val="bg2">
+                              <a:lumMod val="75000"/>
+                            </a:schemeClr>
+                          </a:solidFill>
+                          <a:effectLst/>
+                          <a:uLnTx/>
+                          <a:uFillTx/>
+                          <a:sym typeface="+mn-lt"/>
+                        </a:rPr>
+                        <a:t>（周毅恒）</a:t>
+                      </a:r>
                     </a:p>
                   </a:txBody>
                   <a:tcPr/>
@@ -17993,6 +18146,23 @@
                         </a:rPr>
                         <a:t>软件的调试</a:t>
                       </a:r>
+                      <a:r>
+                        <a:rPr lang="zh-CN" altLang="en-US" sz="1800" noProof="0" dirty="0">
+                          <a:ln w="0">
+                            <a:noFill/>
+                          </a:ln>
+                          <a:solidFill>
+                            <a:schemeClr val="bg2">
+                              <a:lumMod val="75000"/>
+                            </a:schemeClr>
+                          </a:solidFill>
+                          <a:effectLst/>
+                          <a:uLnTx/>
+                          <a:uFillTx/>
+                          <a:sym typeface="+mn-lt"/>
+                        </a:rPr>
+                        <a:t>（周远哲）</a:t>
+                      </a:r>
                     </a:p>
                   </a:txBody>
                   <a:tcPr/>
@@ -18051,6 +18221,23 @@
                           <a:sym typeface="+mn-lt"/>
                         </a:rPr>
                         <a:t>软件拓展功能开发（联网功能，图形界面美化，其他功能）</a:t>
+                      </a:r>
+                      <a:r>
+                        <a:rPr lang="zh-CN" altLang="en-US" sz="1800" noProof="0" dirty="0">
+                          <a:ln w="0">
+                            <a:noFill/>
+                          </a:ln>
+                          <a:solidFill>
+                            <a:schemeClr val="bg2">
+                              <a:lumMod val="75000"/>
+                            </a:schemeClr>
+                          </a:solidFill>
+                          <a:effectLst/>
+                          <a:uLnTx/>
+                          <a:uFillTx/>
+                          <a:sym typeface="+mn-lt"/>
+                        </a:rPr>
+                        <a:t>（待定）</a:t>
                       </a:r>
                     </a:p>
                   </a:txBody>
@@ -18135,6 +18322,23 @@
                           <a:sym typeface="+mn-lt"/>
                         </a:rPr>
                         <a:t>结题答辩</a:t>
+                      </a:r>
+                      <a:r>
+                        <a:rPr lang="zh-CN" altLang="en-US" sz="1800" noProof="0" dirty="0">
+                          <a:ln w="0">
+                            <a:noFill/>
+                          </a:ln>
+                          <a:solidFill>
+                            <a:schemeClr val="bg2">
+                              <a:lumMod val="75000"/>
+                            </a:schemeClr>
+                          </a:solidFill>
+                          <a:effectLst/>
+                          <a:uLnTx/>
+                          <a:uFillTx/>
+                          <a:sym typeface="+mn-lt"/>
+                        </a:rPr>
+                        <a:t>（周远哲）</a:t>
                       </a:r>
                     </a:p>
                   </a:txBody>
@@ -30396,8 +30600,8 @@
         </p:nvSpPr>
         <p:spPr>
           <a:xfrm flipH="1">
-            <a:off x="4899707" y="1381290"/>
-            <a:ext cx="4326342" cy="4012513"/>
+            <a:off x="4858725" y="1232242"/>
+            <a:ext cx="4326342" cy="4769962"/>
           </a:xfrm>
           <a:prstGeom prst="roundRect">
             <a:avLst>
@@ -30488,7 +30692,7 @@
         <p:spPr>
           <a:xfrm>
             <a:off x="-590308" y="1140106"/>
-            <a:ext cx="5519872" cy="4959752"/>
+            <a:ext cx="5519872" cy="5378170"/>
           </a:xfrm>
           <a:prstGeom prst="roundRect">
             <a:avLst/>
@@ -31191,10 +31395,10 @@
         </p:nvGrpSpPr>
         <p:grpSpPr>
           <a:xfrm>
-            <a:off x="5209648" y="1792571"/>
-            <a:ext cx="3788787" cy="3299710"/>
+            <a:off x="5168665" y="1551869"/>
+            <a:ext cx="3788787" cy="4130707"/>
             <a:chOff x="8793428" y="2187767"/>
-            <a:chExt cx="2511455" cy="3299710"/>
+            <a:chExt cx="2511455" cy="4130707"/>
           </a:xfrm>
         </p:grpSpPr>
         <p:sp>
@@ -31206,7 +31410,7 @@
           <p:spPr>
             <a:xfrm>
               <a:off x="8793428" y="2951077"/>
-              <a:ext cx="2511455" cy="2536400"/>
+              <a:ext cx="2511455" cy="3367397"/>
             </a:xfrm>
             <a:prstGeom prst="rect">
               <a:avLst/>
@@ -31389,6 +31593,50 @@
                 </a:rPr>
                 <a:t>该软件有老师和学生两种使用模式。老师能够方便地管理成绩数据，实现增，删，改，查功能；学生只有查看成绩的权限。</a:t>
               </a:r>
+              <a:endParaRPr lang="en-US" altLang="zh-CN" kern="0" dirty="0">
+                <a:solidFill>
+                  <a:schemeClr val="tx1">
+                    <a:lumMod val="65000"/>
+                    <a:lumOff val="35000"/>
+                  </a:schemeClr>
+                </a:solidFill>
+                <a:cs typeface="+mn-ea"/>
+                <a:sym typeface="+mn-lt"/>
+              </a:endParaRPr>
+            </a:p>
+            <a:p>
+              <a:pPr lvl="0">
+                <a:lnSpc>
+                  <a:spcPct val="150000"/>
+                </a:lnSpc>
+                <a:defRPr/>
+              </a:pPr>
+              <a:r>
+                <a:rPr lang="en-US" altLang="zh-CN" kern="0" dirty="0">
+                  <a:solidFill>
+                    <a:schemeClr val="tx1">
+                      <a:lumMod val="65000"/>
+                      <a:lumOff val="35000"/>
+                    </a:schemeClr>
+                  </a:solidFill>
+                  <a:cs typeface="+mn-ea"/>
+                  <a:sym typeface="+mn-lt"/>
+                </a:rPr>
+                <a:t>    </a:t>
+              </a:r>
+              <a:r>
+                <a:rPr lang="zh-CN" altLang="en-US" kern="0" dirty="0">
+                  <a:solidFill>
+                    <a:schemeClr val="tx1">
+                      <a:lumMod val="65000"/>
+                      <a:lumOff val="35000"/>
+                    </a:schemeClr>
+                  </a:solidFill>
+                  <a:cs typeface="+mn-ea"/>
+                  <a:sym typeface="+mn-lt"/>
+                </a:rPr>
+                <a:t>同时系统将记录每一次修改查看记录，避免潜在的恶意操作。</a:t>
+              </a:r>
             </a:p>
           </p:txBody>
         </p:sp>
@@ -31547,8 +31795,8 @@
           </p:nvSpPr>
           <p:spPr>
             <a:xfrm>
-              <a:off x="8837986" y="2673627"/>
-              <a:ext cx="3085830" cy="2120902"/>
+              <a:off x="8837986" y="2487197"/>
+              <a:ext cx="3085830" cy="2530949"/>
             </a:xfrm>
             <a:prstGeom prst="rect">
               <a:avLst/>
@@ -31735,6 +31983,71 @@
                 </a:rPr>
                 <a:t>也希望更方便的查看自己的成绩。</a:t>
               </a:r>
+              <a:endParaRPr lang="en-US" altLang="zh-CN" sz="1600" kern="0" dirty="0">
+                <a:solidFill>
+                  <a:schemeClr val="bg1"/>
+                </a:solidFill>
+                <a:cs typeface="+mn-ea"/>
+                <a:sym typeface="+mn-lt"/>
+              </a:endParaRPr>
+            </a:p>
+            <a:p>
+              <a:pPr lvl="0" defTabSz="914400">
+                <a:lnSpc>
+                  <a:spcPct val="150000"/>
+                </a:lnSpc>
+                <a:defRPr/>
+              </a:pPr>
+              <a:r>
+                <a:rPr lang="en-US" altLang="zh-CN" sz="1600" kern="0" dirty="0">
+                  <a:solidFill>
+                    <a:schemeClr val="bg1"/>
+                  </a:solidFill>
+                  <a:cs typeface="+mn-ea"/>
+                  <a:sym typeface="+mn-lt"/>
+                </a:rPr>
+                <a:t>    </a:t>
+              </a:r>
+              <a:r>
+                <a:rPr lang="zh-CN" altLang="en-US" sz="1600" kern="0" dirty="0">
+                  <a:solidFill>
+                    <a:schemeClr val="bg1"/>
+                  </a:solidFill>
+                  <a:cs typeface="+mn-ea"/>
+                  <a:sym typeface="+mn-lt"/>
+                </a:rPr>
+                <a:t>（潜在用户：</a:t>
+              </a:r>
+              <a:r>
+                <a:rPr lang="zh-CN" altLang="en-US" sz="2000" b="1" kern="0" dirty="0">
+                  <a:solidFill>
+                    <a:schemeClr val="accent4">
+                      <a:lumMod val="40000"/>
+                      <a:lumOff val="60000"/>
+                    </a:schemeClr>
+                  </a:solidFill>
+                  <a:cs typeface="+mn-ea"/>
+                  <a:sym typeface="+mn-lt"/>
+                </a:rPr>
+                <a:t>学校</a:t>
+              </a:r>
+              <a:r>
+                <a:rPr lang="zh-CN" altLang="en-US" kern="0" dirty="0">
+                  <a:solidFill>
+                    <a:schemeClr val="bg1"/>
+                  </a:solidFill>
+                  <a:cs typeface="+mn-ea"/>
+                  <a:sym typeface="+mn-lt"/>
+                </a:rPr>
+                <a:t>）</a:t>
+              </a:r>
+              <a:endParaRPr lang="en-US" altLang="zh-CN" sz="2000" kern="0" dirty="0">
+                <a:solidFill>
+                  <a:schemeClr val="bg1"/>
+                </a:solidFill>
+                <a:cs typeface="+mn-ea"/>
+                <a:sym typeface="+mn-lt"/>
+              </a:endParaRPr>
             </a:p>
           </p:txBody>
         </p:sp>
@@ -31746,7 +32059,7 @@
           </p:nvSpPr>
           <p:spPr>
             <a:xfrm>
-              <a:off x="9152469" y="1943082"/>
+              <a:off x="9152469" y="1756652"/>
               <a:ext cx="2441262" cy="543639"/>
             </a:xfrm>
             <a:prstGeom prst="roundRect">
